--- a/camel-readme-session-23-jasypt.pptx
+++ b/camel-readme-session-23-jasypt.pptx
@@ -9,8 +9,10 @@
     <p:sldId id="257" r:id="rId3"/>
     <p:sldId id="258" r:id="rId4"/>
     <p:sldId id="259" r:id="rId5"/>
-    <p:sldId id="260" r:id="rId6"/>
-    <p:sldId id="261" r:id="rId7"/>
+    <p:sldId id="263" r:id="rId6"/>
+    <p:sldId id="260" r:id="rId7"/>
+    <p:sldId id="261" r:id="rId8"/>
+    <p:sldId id="262" r:id="rId9"/>
   </p:sldIdLst>
   <p:sldSz cx="12192000" cy="6858000"/>
   <p:notesSz cx="6858000" cy="9144000"/>
@@ -266,7 +268,7 @@
           <a:p>
             <a:fld id="{C4AD3F43-420A-4BEB-9D7D-D8172B23FD1A}" type="datetimeFigureOut">
               <a:rPr lang="en-IN" smtClean="0"/>
-              <a:t>28-04-2023</a:t>
+              <a:t>11-05-2023</a:t>
             </a:fld>
             <a:endParaRPr lang="en-IN"/>
           </a:p>
@@ -466,7 +468,7 @@
           <a:p>
             <a:fld id="{C4AD3F43-420A-4BEB-9D7D-D8172B23FD1A}" type="datetimeFigureOut">
               <a:rPr lang="en-IN" smtClean="0"/>
-              <a:t>28-04-2023</a:t>
+              <a:t>11-05-2023</a:t>
             </a:fld>
             <a:endParaRPr lang="en-IN"/>
           </a:p>
@@ -676,7 +678,7 @@
           <a:p>
             <a:fld id="{C4AD3F43-420A-4BEB-9D7D-D8172B23FD1A}" type="datetimeFigureOut">
               <a:rPr lang="en-IN" smtClean="0"/>
-              <a:t>28-04-2023</a:t>
+              <a:t>11-05-2023</a:t>
             </a:fld>
             <a:endParaRPr lang="en-IN"/>
           </a:p>
@@ -876,7 +878,7 @@
           <a:p>
             <a:fld id="{C4AD3F43-420A-4BEB-9D7D-D8172B23FD1A}" type="datetimeFigureOut">
               <a:rPr lang="en-IN" smtClean="0"/>
-              <a:t>28-04-2023</a:t>
+              <a:t>11-05-2023</a:t>
             </a:fld>
             <a:endParaRPr lang="en-IN"/>
           </a:p>
@@ -1152,7 +1154,7 @@
           <a:p>
             <a:fld id="{C4AD3F43-420A-4BEB-9D7D-D8172B23FD1A}" type="datetimeFigureOut">
               <a:rPr lang="en-IN" smtClean="0"/>
-              <a:t>28-04-2023</a:t>
+              <a:t>11-05-2023</a:t>
             </a:fld>
             <a:endParaRPr lang="en-IN"/>
           </a:p>
@@ -1420,7 +1422,7 @@
           <a:p>
             <a:fld id="{C4AD3F43-420A-4BEB-9D7D-D8172B23FD1A}" type="datetimeFigureOut">
               <a:rPr lang="en-IN" smtClean="0"/>
-              <a:t>28-04-2023</a:t>
+              <a:t>11-05-2023</a:t>
             </a:fld>
             <a:endParaRPr lang="en-IN"/>
           </a:p>
@@ -1835,7 +1837,7 @@
           <a:p>
             <a:fld id="{C4AD3F43-420A-4BEB-9D7D-D8172B23FD1A}" type="datetimeFigureOut">
               <a:rPr lang="en-IN" smtClean="0"/>
-              <a:t>28-04-2023</a:t>
+              <a:t>11-05-2023</a:t>
             </a:fld>
             <a:endParaRPr lang="en-IN"/>
           </a:p>
@@ -1977,7 +1979,7 @@
           <a:p>
             <a:fld id="{C4AD3F43-420A-4BEB-9D7D-D8172B23FD1A}" type="datetimeFigureOut">
               <a:rPr lang="en-IN" smtClean="0"/>
-              <a:t>28-04-2023</a:t>
+              <a:t>11-05-2023</a:t>
             </a:fld>
             <a:endParaRPr lang="en-IN"/>
           </a:p>
@@ -2090,7 +2092,7 @@
           <a:p>
             <a:fld id="{C4AD3F43-420A-4BEB-9D7D-D8172B23FD1A}" type="datetimeFigureOut">
               <a:rPr lang="en-IN" smtClean="0"/>
-              <a:t>28-04-2023</a:t>
+              <a:t>11-05-2023</a:t>
             </a:fld>
             <a:endParaRPr lang="en-IN"/>
           </a:p>
@@ -2403,7 +2405,7 @@
           <a:p>
             <a:fld id="{C4AD3F43-420A-4BEB-9D7D-D8172B23FD1A}" type="datetimeFigureOut">
               <a:rPr lang="en-IN" smtClean="0"/>
-              <a:t>28-04-2023</a:t>
+              <a:t>11-05-2023</a:t>
             </a:fld>
             <a:endParaRPr lang="en-IN"/>
           </a:p>
@@ -2692,7 +2694,7 @@
           <a:p>
             <a:fld id="{C4AD3F43-420A-4BEB-9D7D-D8172B23FD1A}" type="datetimeFigureOut">
               <a:rPr lang="en-IN" smtClean="0"/>
-              <a:t>28-04-2023</a:t>
+              <a:t>11-05-2023</a:t>
             </a:fld>
             <a:endParaRPr lang="en-IN"/>
           </a:p>
@@ -2935,7 +2937,7 @@
           <a:p>
             <a:fld id="{C4AD3F43-420A-4BEB-9D7D-D8172B23FD1A}" type="datetimeFigureOut">
               <a:rPr lang="en-IN" smtClean="0"/>
-              <a:t>28-04-2023</a:t>
+              <a:t>11-05-2023</a:t>
             </a:fld>
             <a:endParaRPr lang="en-IN"/>
           </a:p>
@@ -4212,7 +4214,7 @@
           <p:cNvPr id="2" name="Title 1">
             <a:extLst>
               <a:ext uri="{FF2B5EF4-FFF2-40B4-BE49-F238E27FC236}">
-                <a16:creationId xmlns:a16="http://schemas.microsoft.com/office/drawing/2014/main" id="{73C5D8E6-D8F2-303A-0586-E6B0C117F47E}"/>
+                <a16:creationId xmlns:a16="http://schemas.microsoft.com/office/drawing/2014/main" id="{C373E746-88A6-D31D-DA2A-424856162D5F}"/>
               </a:ext>
             </a:extLst>
           </p:cNvPr>
@@ -4237,7 +4239,7 @@
           <p:cNvPr id="3" name="Content Placeholder 2">
             <a:extLst>
               <a:ext uri="{FF2B5EF4-FFF2-40B4-BE49-F238E27FC236}">
-                <a16:creationId xmlns:a16="http://schemas.microsoft.com/office/drawing/2014/main" id="{A98E74C2-3D7B-2021-97C3-193D4F4109DA}"/>
+                <a16:creationId xmlns:a16="http://schemas.microsoft.com/office/drawing/2014/main" id="{D061B247-E785-A91B-B3A8-50B1B62A2C89}"/>
               </a:ext>
             </a:extLst>
           </p:cNvPr>
@@ -4250,68 +4252,20 @@
         </p:nvSpPr>
         <p:spPr/>
         <p:txBody>
-          <a:bodyPr/>
-          <a:lstStyle/>
-          <a:p>
-            <a:r>
-              <a:rPr lang="en-IN" dirty="0"/>
-              <a:t>When running </a:t>
-            </a:r>
-            <a:r>
-              <a:rPr lang="en-IN" dirty="0" err="1"/>
-              <a:t>jasypt</a:t>
-            </a:r>
-            <a:r>
-              <a:rPr lang="en-IN" dirty="0"/>
-              <a:t> tooling, if you come across </a:t>
-            </a:r>
-            <a:r>
-              <a:rPr lang="en-IN" dirty="0" err="1"/>
-              <a:t>java.lang.NoClassDefFoundError</a:t>
-            </a:r>
-            <a:r>
-              <a:rPr lang="en-IN" dirty="0"/>
-              <a:t>: org/</a:t>
-            </a:r>
-            <a:r>
-              <a:rPr lang="en-IN" dirty="0" err="1"/>
-              <a:t>jasypt</a:t>
-            </a:r>
-            <a:r>
-              <a:rPr lang="en-IN" dirty="0"/>
-              <a:t>/encryption/</a:t>
-            </a:r>
-            <a:r>
-              <a:rPr lang="en-IN" dirty="0" err="1"/>
-              <a:t>pbe</a:t>
-            </a:r>
-            <a:r>
-              <a:rPr lang="en-IN" dirty="0"/>
-              <a:t>/</a:t>
-            </a:r>
-            <a:r>
-              <a:rPr lang="en-IN" dirty="0" err="1"/>
-              <a:t>StandardPBEStringEncryptor</a:t>
-            </a:r>
-            <a:r>
-              <a:rPr lang="en-IN" dirty="0"/>
-              <a:t> this means you have to include jasypt{version}.jar in your </a:t>
-            </a:r>
-            <a:r>
-              <a:rPr lang="en-IN" dirty="0" err="1"/>
-              <a:t>classpath</a:t>
-            </a:r>
-            <a:r>
-              <a:rPr lang="en-IN" dirty="0"/>
-              <a:t>. Example of adding jar to </a:t>
-            </a:r>
-            <a:r>
-              <a:rPr lang="en-IN" dirty="0" err="1"/>
-              <a:t>classpath</a:t>
-            </a:r>
-            <a:r>
-              <a:rPr lang="en-IN" dirty="0"/>
-              <a:t> may be copying jasypt{version}.jar to $JAVA_HOME\</a:t>
+          <a:bodyPr>
+            <a:normAutofit fontScale="70000" lnSpcReduction="20000"/>
+          </a:bodyPr>
+          <a:lstStyle/>
+          <a:p>
+            <a:r>
+              <a:rPr lang="en-IN" dirty="0"/>
+              <a:t>https://jar-download.com/artifacts/org.jasypt/jasypt/1.9.2/source-code</a:t>
+            </a:r>
+          </a:p>
+          <a:p>
+            <a:r>
+              <a:rPr lang="en-IN" dirty="0"/>
+              <a:t>C:\Program Files\Java\jdk1.8.0_202\</a:t>
             </a:r>
             <a:r>
               <a:rPr lang="en-IN" dirty="0" err="1"/>
@@ -4327,31 +4281,22 @@
             </a:r>
             <a:r>
               <a:rPr lang="en-IN" dirty="0"/>
-              <a:t> if you are going to run as java -jar …​. The latter may be adding jasypt{version}.jar to </a:t>
-            </a:r>
-            <a:r>
-              <a:rPr lang="en-IN" dirty="0" err="1"/>
-              <a:t>classpath</a:t>
-            </a:r>
-            <a:r>
-              <a:rPr lang="en-IN" dirty="0"/>
-              <a:t> using -cp, in that case you should provide main class to execute as </a:t>
-            </a:r>
-            <a:r>
-              <a:rPr lang="en-IN" dirty="0" err="1"/>
-              <a:t>eg</a:t>
-            </a:r>
-            <a:r>
-              <a:rPr lang="en-IN" dirty="0"/>
-              <a:t>: java -cp jasypt-1.9.2.jar:camel-jasypt-2.18.2.jar </a:t>
-            </a:r>
-            <a:r>
-              <a:rPr lang="en-IN" dirty="0" err="1"/>
-              <a:t>org.apache.camel.component.jasypt.Main</a:t>
-            </a:r>
-            <a:r>
-              <a:rPr lang="en-IN" dirty="0"/>
-              <a:t> -c encrypt -p secret -</a:t>
+              <a:t>\jasypt-1.9.2.jar</a:t>
+            </a:r>
+          </a:p>
+          <a:p>
+            <a:r>
+              <a:rPr lang="en-IN" dirty="0"/>
+              <a:t>C:\Program Files\Java\jdk1.8.0_202\lib\camel-jasypt-2.20.1.jar</a:t>
+            </a:r>
+          </a:p>
+          <a:p>
+            <a:endParaRPr lang="en-IN" dirty="0"/>
+          </a:p>
+          <a:p>
+            <a:r>
+              <a:rPr lang="en-IN" dirty="0"/>
+              <a:t>C:\Program Files\Java\jdk1.8.0_202\lib&gt;java -jar camel-jasypt-2.20.1.jar -c encrypt -p secret -</a:t>
             </a:r>
             <a:r>
               <a:rPr lang="en-IN" dirty="0" err="1"/>
@@ -4359,7 +4304,45 @@
             </a:r>
             <a:r>
               <a:rPr lang="en-IN" dirty="0"/>
-              <a:t> tiger</a:t>
+              <a:t> admin</a:t>
+            </a:r>
+          </a:p>
+          <a:p>
+            <a:r>
+              <a:rPr lang="en-IN" dirty="0"/>
+              <a:t>Encrypted text: oDCp6SvpG6k7JbHR8Xhg7g==</a:t>
+            </a:r>
+          </a:p>
+          <a:p>
+            <a:endParaRPr lang="en-IN" dirty="0"/>
+          </a:p>
+          <a:p>
+            <a:r>
+              <a:rPr lang="en-IN" dirty="0"/>
+              <a:t>C:\Program Files\Java\jdk1.8.0_202\lib&gt;java -jar camel-jasypt-2.20.1.jar -c decrypt -p secret -</a:t>
+            </a:r>
+            <a:r>
+              <a:rPr lang="en-IN" dirty="0" err="1"/>
+              <a:t>i</a:t>
+            </a:r>
+            <a:r>
+              <a:rPr lang="en-IN" dirty="0"/>
+              <a:t> oDCp6SvpG6k7JbHR8Xhg7g==</a:t>
+            </a:r>
+          </a:p>
+          <a:p>
+            <a:r>
+              <a:rPr lang="en-IN" dirty="0"/>
+              <a:t>Decrypted text: admin</a:t>
+            </a:r>
+          </a:p>
+          <a:p>
+            <a:endParaRPr lang="en-IN" dirty="0"/>
+          </a:p>
+          <a:p>
+            <a:r>
+              <a:rPr lang="en-IN" dirty="0"/>
+              <a:t>C:\Program Files\Java\jdk1.8.0_202\lib&gt;</a:t>
             </a:r>
           </a:p>
         </p:txBody>
@@ -4367,7 +4350,7 @@
     </p:spTree>
     <p:extLst>
       <p:ext uri="{BB962C8B-B14F-4D97-AF65-F5344CB8AC3E}">
-        <p14:creationId xmlns:p14="http://schemas.microsoft.com/office/powerpoint/2010/main" val="1930793922"/>
+        <p14:creationId xmlns:p14="http://schemas.microsoft.com/office/powerpoint/2010/main" val="1747718991"/>
       </p:ext>
     </p:extLst>
   </p:cSld>
@@ -4399,6 +4382,193 @@
           <p:cNvPr id="2" name="Title 1">
             <a:extLst>
               <a:ext uri="{FF2B5EF4-FFF2-40B4-BE49-F238E27FC236}">
+                <a16:creationId xmlns:a16="http://schemas.microsoft.com/office/drawing/2014/main" id="{73C5D8E6-D8F2-303A-0586-E6B0C117F47E}"/>
+              </a:ext>
+            </a:extLst>
+          </p:cNvPr>
+          <p:cNvSpPr>
+            <a:spLocks noGrp="1"/>
+          </p:cNvSpPr>
+          <p:nvPr>
+            <p:ph type="title"/>
+          </p:nvPr>
+        </p:nvSpPr>
+        <p:spPr/>
+        <p:txBody>
+          <a:bodyPr/>
+          <a:lstStyle/>
+          <a:p>
+            <a:endParaRPr lang="en-IN"/>
+          </a:p>
+        </p:txBody>
+      </p:sp>
+      <p:sp>
+        <p:nvSpPr>
+          <p:cNvPr id="3" name="Content Placeholder 2">
+            <a:extLst>
+              <a:ext uri="{FF2B5EF4-FFF2-40B4-BE49-F238E27FC236}">
+                <a16:creationId xmlns:a16="http://schemas.microsoft.com/office/drawing/2014/main" id="{A98E74C2-3D7B-2021-97C3-193D4F4109DA}"/>
+              </a:ext>
+            </a:extLst>
+          </p:cNvPr>
+          <p:cNvSpPr>
+            <a:spLocks noGrp="1"/>
+          </p:cNvSpPr>
+          <p:nvPr>
+            <p:ph idx="1"/>
+          </p:nvPr>
+        </p:nvSpPr>
+        <p:spPr/>
+        <p:txBody>
+          <a:bodyPr/>
+          <a:lstStyle/>
+          <a:p>
+            <a:r>
+              <a:rPr lang="en-IN" dirty="0"/>
+              <a:t>When running </a:t>
+            </a:r>
+            <a:r>
+              <a:rPr lang="en-IN" dirty="0" err="1"/>
+              <a:t>jasypt</a:t>
+            </a:r>
+            <a:r>
+              <a:rPr lang="en-IN" dirty="0"/>
+              <a:t> tooling, if you come across </a:t>
+            </a:r>
+            <a:r>
+              <a:rPr lang="en-IN" dirty="0" err="1"/>
+              <a:t>java.lang.NoClassDefFoundError</a:t>
+            </a:r>
+            <a:r>
+              <a:rPr lang="en-IN" dirty="0"/>
+              <a:t>: org/</a:t>
+            </a:r>
+            <a:r>
+              <a:rPr lang="en-IN" dirty="0" err="1"/>
+              <a:t>jasypt</a:t>
+            </a:r>
+            <a:r>
+              <a:rPr lang="en-IN" dirty="0"/>
+              <a:t>/encryption/</a:t>
+            </a:r>
+            <a:r>
+              <a:rPr lang="en-IN" dirty="0" err="1"/>
+              <a:t>pbe</a:t>
+            </a:r>
+            <a:r>
+              <a:rPr lang="en-IN" dirty="0"/>
+              <a:t>/</a:t>
+            </a:r>
+            <a:r>
+              <a:rPr lang="en-IN" dirty="0" err="1"/>
+              <a:t>StandardPBEStringEncryptor</a:t>
+            </a:r>
+            <a:r>
+              <a:rPr lang="en-IN" dirty="0"/>
+              <a:t> this means you have to include jasypt{version}.jar in your </a:t>
+            </a:r>
+            <a:r>
+              <a:rPr lang="en-IN" dirty="0" err="1"/>
+              <a:t>classpath</a:t>
+            </a:r>
+            <a:r>
+              <a:rPr lang="en-IN" dirty="0"/>
+              <a:t>. Example of adding jar to </a:t>
+            </a:r>
+            <a:r>
+              <a:rPr lang="en-IN" dirty="0" err="1"/>
+              <a:t>classpath</a:t>
+            </a:r>
+            <a:r>
+              <a:rPr lang="en-IN" dirty="0"/>
+              <a:t> may be copying jasypt{version}.jar to $JAVA_HOME\</a:t>
+            </a:r>
+            <a:r>
+              <a:rPr lang="en-IN" dirty="0" err="1"/>
+              <a:t>jre</a:t>
+            </a:r>
+            <a:r>
+              <a:rPr lang="en-IN" dirty="0"/>
+              <a:t>\lib\</a:t>
+            </a:r>
+            <a:r>
+              <a:rPr lang="en-IN" dirty="0" err="1"/>
+              <a:t>ext</a:t>
+            </a:r>
+            <a:r>
+              <a:rPr lang="en-IN" dirty="0"/>
+              <a:t> if you are going to run as java -jar …​. The latter may be adding jasypt{version}.jar to </a:t>
+            </a:r>
+            <a:r>
+              <a:rPr lang="en-IN" dirty="0" err="1"/>
+              <a:t>classpath</a:t>
+            </a:r>
+            <a:r>
+              <a:rPr lang="en-IN" dirty="0"/>
+              <a:t> using -cp, in that case you should provide main class to execute as </a:t>
+            </a:r>
+            <a:r>
+              <a:rPr lang="en-IN" dirty="0" err="1"/>
+              <a:t>eg</a:t>
+            </a:r>
+            <a:r>
+              <a:rPr lang="en-IN" dirty="0"/>
+              <a:t>: java -cp jasypt-1.9.2.jar:camel-jasypt-2.18.2.jar </a:t>
+            </a:r>
+            <a:r>
+              <a:rPr lang="en-IN" dirty="0" err="1"/>
+              <a:t>org.apache.camel.component.jasypt.Main</a:t>
+            </a:r>
+            <a:r>
+              <a:rPr lang="en-IN" dirty="0"/>
+              <a:t> -c encrypt -p secret -</a:t>
+            </a:r>
+            <a:r>
+              <a:rPr lang="en-IN" dirty="0" err="1"/>
+              <a:t>i</a:t>
+            </a:r>
+            <a:r>
+              <a:rPr lang="en-IN" dirty="0"/>
+              <a:t> tiger</a:t>
+            </a:r>
+          </a:p>
+        </p:txBody>
+      </p:sp>
+    </p:spTree>
+    <p:extLst>
+      <p:ext uri="{BB962C8B-B14F-4D97-AF65-F5344CB8AC3E}">
+        <p14:creationId xmlns:p14="http://schemas.microsoft.com/office/powerpoint/2010/main" val="1930793922"/>
+      </p:ext>
+    </p:extLst>
+  </p:cSld>
+  <p:clrMapOvr>
+    <a:masterClrMapping/>
+  </p:clrMapOvr>
+</p:sld>
+</file>
+
+<file path=ppt/slides/slide7.xml><?xml version="1.0" encoding="utf-8"?>
+<p:sld xmlns:a="http://schemas.openxmlformats.org/drawingml/2006/main" xmlns:r="http://schemas.openxmlformats.org/officeDocument/2006/relationships" xmlns:p="http://schemas.openxmlformats.org/presentationml/2006/main">
+  <p:cSld>
+    <p:spTree>
+      <p:nvGrpSpPr>
+        <p:cNvPr id="1" name=""/>
+        <p:cNvGrpSpPr/>
+        <p:nvPr/>
+      </p:nvGrpSpPr>
+      <p:grpSpPr>
+        <a:xfrm>
+          <a:off x="0" y="0"/>
+          <a:ext cx="0" cy="0"/>
+          <a:chOff x="0" y="0"/>
+          <a:chExt cx="0" cy="0"/>
+        </a:xfrm>
+      </p:grpSpPr>
+      <p:sp>
+        <p:nvSpPr>
+          <p:cNvPr id="2" name="Title 1">
+            <a:extLst>
+              <a:ext uri="{FF2B5EF4-FFF2-40B4-BE49-F238E27FC236}">
                 <a16:creationId xmlns:a16="http://schemas.microsoft.com/office/drawing/2014/main" id="{14A6C53A-F313-5AD3-FA43-B434CA9998BA}"/>
               </a:ext>
             </a:extLst>
@@ -4515,6 +4685,15 @@
             </a:r>
           </a:p>
           <a:p>
+            <a:r>
+              <a:rPr lang="en-GB" sz="1800" dirty="0">
+                <a:solidFill>
+                  <a:prstClr val="black"/>
+                </a:solidFill>
+                <a:latin typeface="Lucida Console" panose="020B0609040504020204" pitchFamily="49" charset="0"/>
+              </a:rPr>
+              <a:t>set CAMEL_ENCRYPTION_PASSWORD=secret</a:t>
+            </a:r>
             <a:endParaRPr lang="en-GB" dirty="0"/>
           </a:p>
           <a:p>
@@ -4533,7 +4712,7 @@
               <a:t>sysenv:CAMEL_ENCRYPTION_PASSWORD</a:t>
             </a:r>
             <a:r>
-              <a:rPr lang="en-GB"/>
+              <a:rPr lang="en-GB" dirty="0"/>
               <a:t>.</a:t>
             </a:r>
             <a:endParaRPr lang="en-IN" dirty="0"/>
@@ -4544,6 +4723,89 @@
     <p:extLst>
       <p:ext uri="{BB962C8B-B14F-4D97-AF65-F5344CB8AC3E}">
         <p14:creationId xmlns:p14="http://schemas.microsoft.com/office/powerpoint/2010/main" val="3246163956"/>
+      </p:ext>
+    </p:extLst>
+  </p:cSld>
+  <p:clrMapOvr>
+    <a:masterClrMapping/>
+  </p:clrMapOvr>
+</p:sld>
+</file>
+
+<file path=ppt/slides/slide8.xml><?xml version="1.0" encoding="utf-8"?>
+<p:sld xmlns:a="http://schemas.openxmlformats.org/drawingml/2006/main" xmlns:r="http://schemas.openxmlformats.org/officeDocument/2006/relationships" xmlns:p="http://schemas.openxmlformats.org/presentationml/2006/main">
+  <p:cSld>
+    <p:spTree>
+      <p:nvGrpSpPr>
+        <p:cNvPr id="1" name=""/>
+        <p:cNvGrpSpPr/>
+        <p:nvPr/>
+      </p:nvGrpSpPr>
+      <p:grpSpPr>
+        <a:xfrm>
+          <a:off x="0" y="0"/>
+          <a:ext cx="0" cy="0"/>
+          <a:chOff x="0" y="0"/>
+          <a:chExt cx="0" cy="0"/>
+        </a:xfrm>
+      </p:grpSpPr>
+      <p:sp>
+        <p:nvSpPr>
+          <p:cNvPr id="2" name="Title 1">
+            <a:extLst>
+              <a:ext uri="{FF2B5EF4-FFF2-40B4-BE49-F238E27FC236}">
+                <a16:creationId xmlns:a16="http://schemas.microsoft.com/office/drawing/2014/main" id="{499C14D1-3624-BD4C-F67C-09B5048DE51A}"/>
+              </a:ext>
+            </a:extLst>
+          </p:cNvPr>
+          <p:cNvSpPr>
+            <a:spLocks noGrp="1"/>
+          </p:cNvSpPr>
+          <p:nvPr>
+            <p:ph type="title"/>
+          </p:nvPr>
+        </p:nvSpPr>
+        <p:spPr/>
+        <p:txBody>
+          <a:bodyPr/>
+          <a:lstStyle/>
+          <a:p>
+            <a:endParaRPr lang="en-IN"/>
+          </a:p>
+        </p:txBody>
+      </p:sp>
+      <p:sp>
+        <p:nvSpPr>
+          <p:cNvPr id="3" name="Content Placeholder 2">
+            <a:extLst>
+              <a:ext uri="{FF2B5EF4-FFF2-40B4-BE49-F238E27FC236}">
+                <a16:creationId xmlns:a16="http://schemas.microsoft.com/office/drawing/2014/main" id="{D7D406DC-2E5C-7310-4D09-C5E33972B1C2}"/>
+              </a:ext>
+            </a:extLst>
+          </p:cNvPr>
+          <p:cNvSpPr>
+            <a:spLocks noGrp="1"/>
+          </p:cNvSpPr>
+          <p:nvPr>
+            <p:ph idx="1"/>
+          </p:nvPr>
+        </p:nvSpPr>
+        <p:spPr/>
+        <p:txBody>
+          <a:bodyPr/>
+          <a:lstStyle/>
+          <a:p>
+            <a:r>
+              <a:rPr lang="en-IN" dirty="0"/>
+              <a:t>http://www.jasypt.org/</a:t>
+            </a:r>
+          </a:p>
+        </p:txBody>
+      </p:sp>
+    </p:spTree>
+    <p:extLst>
+      <p:ext uri="{BB962C8B-B14F-4D97-AF65-F5344CB8AC3E}">
+        <p14:creationId xmlns:p14="http://schemas.microsoft.com/office/powerpoint/2010/main" val="2923205811"/>
       </p:ext>
     </p:extLst>
   </p:cSld>
